--- a/classes/prog2024/Lab04.pptx
+++ b/classes/prog2024/Lab04.pptx
@@ -308,7 +308,7 @@
             <a:fld id="{1D8BD707-D9CF-40AE-B4C6-C98DA3205C09}" type="datetimeFigureOut">
               <a:rPr lang="en-US" smtClean="0"/>
               <a:pPr/>
-              <a:t>9/24/2024</a:t>
+              <a:t>9/25/2024</a:t>
             </a:fld>
             <a:endParaRPr lang="en-US"/>
           </a:p>
@@ -473,7 +473,7 @@
             <a:fld id="{1D8BD707-D9CF-40AE-B4C6-C98DA3205C09}" type="datetimeFigureOut">
               <a:rPr lang="en-US" smtClean="0"/>
               <a:pPr/>
-              <a:t>9/24/2024</a:t>
+              <a:t>9/25/2024</a:t>
             </a:fld>
             <a:endParaRPr lang="en-US"/>
           </a:p>
@@ -648,7 +648,7 @@
             <a:fld id="{1D8BD707-D9CF-40AE-B4C6-C98DA3205C09}" type="datetimeFigureOut">
               <a:rPr lang="en-US" smtClean="0"/>
               <a:pPr/>
-              <a:t>9/24/2024</a:t>
+              <a:t>9/25/2024</a:t>
             </a:fld>
             <a:endParaRPr lang="en-US"/>
           </a:p>
@@ -813,7 +813,7 @@
             <a:fld id="{1D8BD707-D9CF-40AE-B4C6-C98DA3205C09}" type="datetimeFigureOut">
               <a:rPr lang="en-US" smtClean="0"/>
               <a:pPr/>
-              <a:t>9/24/2024</a:t>
+              <a:t>9/25/2024</a:t>
             </a:fld>
             <a:endParaRPr lang="en-US"/>
           </a:p>
@@ -1055,7 +1055,7 @@
             <a:fld id="{1D8BD707-D9CF-40AE-B4C6-C98DA3205C09}" type="datetimeFigureOut">
               <a:rPr lang="en-US" smtClean="0"/>
               <a:pPr/>
-              <a:t>9/24/2024</a:t>
+              <a:t>9/25/2024</a:t>
             </a:fld>
             <a:endParaRPr lang="en-US"/>
           </a:p>
@@ -1337,7 +1337,7 @@
             <a:fld id="{1D8BD707-D9CF-40AE-B4C6-C98DA3205C09}" type="datetimeFigureOut">
               <a:rPr lang="en-US" smtClean="0"/>
               <a:pPr/>
-              <a:t>9/24/2024</a:t>
+              <a:t>9/25/2024</a:t>
             </a:fld>
             <a:endParaRPr lang="en-US"/>
           </a:p>
@@ -1753,7 +1753,7 @@
             <a:fld id="{1D8BD707-D9CF-40AE-B4C6-C98DA3205C09}" type="datetimeFigureOut">
               <a:rPr lang="en-US" smtClean="0"/>
               <a:pPr/>
-              <a:t>9/24/2024</a:t>
+              <a:t>9/25/2024</a:t>
             </a:fld>
             <a:endParaRPr lang="en-US"/>
           </a:p>
@@ -1867,7 +1867,7 @@
             <a:fld id="{1D8BD707-D9CF-40AE-B4C6-C98DA3205C09}" type="datetimeFigureOut">
               <a:rPr lang="en-US" smtClean="0"/>
               <a:pPr/>
-              <a:t>9/24/2024</a:t>
+              <a:t>9/25/2024</a:t>
             </a:fld>
             <a:endParaRPr lang="en-US"/>
           </a:p>
@@ -1959,7 +1959,7 @@
             <a:fld id="{1D8BD707-D9CF-40AE-B4C6-C98DA3205C09}" type="datetimeFigureOut">
               <a:rPr lang="en-US" smtClean="0"/>
               <a:pPr/>
-              <a:t>9/24/2024</a:t>
+              <a:t>9/25/2024</a:t>
             </a:fld>
             <a:endParaRPr lang="en-US"/>
           </a:p>
@@ -2231,7 +2231,7 @@
             <a:fld id="{1D8BD707-D9CF-40AE-B4C6-C98DA3205C09}" type="datetimeFigureOut">
               <a:rPr lang="en-US" smtClean="0"/>
               <a:pPr/>
-              <a:t>9/24/2024</a:t>
+              <a:t>9/25/2024</a:t>
             </a:fld>
             <a:endParaRPr lang="en-US"/>
           </a:p>
@@ -2480,7 +2480,7 @@
             <a:fld id="{1D8BD707-D9CF-40AE-B4C6-C98DA3205C09}" type="datetimeFigureOut">
               <a:rPr lang="en-US" smtClean="0"/>
               <a:pPr/>
-              <a:t>9/24/2024</a:t>
+              <a:t>9/25/2024</a:t>
             </a:fld>
             <a:endParaRPr lang="en-US"/>
           </a:p>
@@ -2688,7 +2688,7 @@
             <a:fld id="{1D8BD707-D9CF-40AE-B4C6-C98DA3205C09}" type="datetimeFigureOut">
               <a:rPr lang="en-US" smtClean="0"/>
               <a:pPr/>
-              <a:t>9/24/2024</a:t>
+              <a:t>9/25/2024</a:t>
             </a:fld>
             <a:endParaRPr lang="en-US"/>
           </a:p>
@@ -3083,7 +3083,7 @@
           <a:p>
             <a:r>
               <a:rPr lang="en-US" dirty="0"/>
-              <a:t>Lab #4 (due Wed October 2nd).  Send Lab #4 as code or links to your code to </a:t>
+              <a:t>Lab #4 (due Wed October 9th).  Send Lab #4 as code or links to your code to </a:t>
             </a:r>
           </a:p>
           <a:p>
@@ -3172,11 +3172,7 @@
           <a:p>
             <a:r>
               <a:rPr lang="en-US" dirty="0"/>
-              <a:t>Don’t use ChatGPT for </a:t>
-            </a:r>
-            <a:r>
-              <a:rPr lang="en-US"/>
-              <a:t>this assignment…</a:t>
+              <a:t>Don’t use ChatGPT for this assignment…</a:t>
             </a:r>
           </a:p>
           <a:p>
@@ -3194,7 +3190,7 @@
           <a:p>
             <a:r>
               <a:rPr lang="en-US" dirty="0"/>
-              <a:t>	Independent project first proposal – also due Oct. 2</a:t>
+              <a:t>	Independent project first proposal – also due Oct. 9</a:t>
             </a:r>
           </a:p>
           <a:p>
